--- a/Presentations/Feb2022_results_share.pptx
+++ b/Presentations/Feb2022_results_share.pptx
@@ -273,7 +273,7 @@
           <a:p>
             <a:fld id="{BEC25CC1-048E-494A-B37E-4042673D5CF9}" type="datetimeFigureOut">
               <a:rPr lang="en-US" smtClean="0"/>
-              <a:t>2/10/22</a:t>
+              <a:t>2/27/22</a:t>
             </a:fld>
             <a:endParaRPr lang="en-US"/>
           </a:p>
@@ -471,7 +471,7 @@
           <a:p>
             <a:fld id="{BEC25CC1-048E-494A-B37E-4042673D5CF9}" type="datetimeFigureOut">
               <a:rPr lang="en-US" smtClean="0"/>
-              <a:t>2/10/22</a:t>
+              <a:t>2/27/22</a:t>
             </a:fld>
             <a:endParaRPr lang="en-US"/>
           </a:p>
@@ -679,7 +679,7 @@
           <a:p>
             <a:fld id="{BEC25CC1-048E-494A-B37E-4042673D5CF9}" type="datetimeFigureOut">
               <a:rPr lang="en-US" smtClean="0"/>
-              <a:t>2/10/22</a:t>
+              <a:t>2/27/22</a:t>
             </a:fld>
             <a:endParaRPr lang="en-US"/>
           </a:p>
@@ -877,7 +877,7 @@
           <a:p>
             <a:fld id="{BEC25CC1-048E-494A-B37E-4042673D5CF9}" type="datetimeFigureOut">
               <a:rPr lang="en-US" smtClean="0"/>
-              <a:t>2/10/22</a:t>
+              <a:t>2/27/22</a:t>
             </a:fld>
             <a:endParaRPr lang="en-US"/>
           </a:p>
@@ -1152,7 +1152,7 @@
           <a:p>
             <a:fld id="{BEC25CC1-048E-494A-B37E-4042673D5CF9}" type="datetimeFigureOut">
               <a:rPr lang="en-US" smtClean="0"/>
-              <a:t>2/10/22</a:t>
+              <a:t>2/27/22</a:t>
             </a:fld>
             <a:endParaRPr lang="en-US"/>
           </a:p>
@@ -1417,7 +1417,7 @@
           <a:p>
             <a:fld id="{BEC25CC1-048E-494A-B37E-4042673D5CF9}" type="datetimeFigureOut">
               <a:rPr lang="en-US" smtClean="0"/>
-              <a:t>2/10/22</a:t>
+              <a:t>2/27/22</a:t>
             </a:fld>
             <a:endParaRPr lang="en-US"/>
           </a:p>
@@ -1829,7 +1829,7 @@
           <a:p>
             <a:fld id="{BEC25CC1-048E-494A-B37E-4042673D5CF9}" type="datetimeFigureOut">
               <a:rPr lang="en-US" smtClean="0"/>
-              <a:t>2/10/22</a:t>
+              <a:t>2/27/22</a:t>
             </a:fld>
             <a:endParaRPr lang="en-US"/>
           </a:p>
@@ -1970,7 +1970,7 @@
           <a:p>
             <a:fld id="{BEC25CC1-048E-494A-B37E-4042673D5CF9}" type="datetimeFigureOut">
               <a:rPr lang="en-US" smtClean="0"/>
-              <a:t>2/10/22</a:t>
+              <a:t>2/27/22</a:t>
             </a:fld>
             <a:endParaRPr lang="en-US"/>
           </a:p>
@@ -2083,7 +2083,7 @@
           <a:p>
             <a:fld id="{BEC25CC1-048E-494A-B37E-4042673D5CF9}" type="datetimeFigureOut">
               <a:rPr lang="en-US" smtClean="0"/>
-              <a:t>2/10/22</a:t>
+              <a:t>2/27/22</a:t>
             </a:fld>
             <a:endParaRPr lang="en-US"/>
           </a:p>
@@ -2394,7 +2394,7 @@
           <a:p>
             <a:fld id="{BEC25CC1-048E-494A-B37E-4042673D5CF9}" type="datetimeFigureOut">
               <a:rPr lang="en-US" smtClean="0"/>
-              <a:t>2/10/22</a:t>
+              <a:t>2/27/22</a:t>
             </a:fld>
             <a:endParaRPr lang="en-US"/>
           </a:p>
@@ -2682,7 +2682,7 @@
           <a:p>
             <a:fld id="{BEC25CC1-048E-494A-B37E-4042673D5CF9}" type="datetimeFigureOut">
               <a:rPr lang="en-US" smtClean="0"/>
-              <a:t>2/10/22</a:t>
+              <a:t>2/27/22</a:t>
             </a:fld>
             <a:endParaRPr lang="en-US"/>
           </a:p>
@@ -2923,7 +2923,7 @@
           <a:p>
             <a:fld id="{BEC25CC1-048E-494A-B37E-4042673D5CF9}" type="datetimeFigureOut">
               <a:rPr lang="en-US" smtClean="0"/>
-              <a:t>2/10/22</a:t>
+              <a:t>2/27/22</a:t>
             </a:fld>
             <a:endParaRPr lang="en-US"/>
           </a:p>
@@ -3562,9 +3562,39 @@
         </p:blipFill>
         <p:spPr>
           <a:xfrm>
-            <a:off x="2832496" y="1825625"/>
-            <a:ext cx="6527007" cy="4351338"/>
+            <a:off x="2006600" y="343694"/>
+            <a:ext cx="9575800" cy="6383866"/>
           </a:xfrm>
+        </p:spPr>
+      </p:pic>
+      <p:pic>
+        <p:nvPicPr>
+          <p:cNvPr id="4" name="Picture 3" descr="Chart, scatter chart&#10;&#10;Description automatically generated">
+            <a:extLst>
+              <a:ext uri="{FF2B5EF4-FFF2-40B4-BE49-F238E27FC236}">
+                <a16:creationId xmlns:a16="http://schemas.microsoft.com/office/drawing/2014/main" id="{CB7CAB24-4018-9B4B-9315-E3A6AABC7BF4}"/>
+              </a:ext>
+            </a:extLst>
+          </p:cNvPr>
+          <p:cNvPicPr>
+            <a:picLocks noChangeAspect="1"/>
+          </p:cNvPicPr>
+          <p:nvPr/>
+        </p:nvPicPr>
+        <p:blipFill>
+          <a:blip r:embed="rId3"/>
+          <a:stretch>
+            <a:fillRect/>
+          </a:stretch>
+        </p:blipFill>
+        <p:spPr>
+          <a:xfrm>
+            <a:off x="1432948" y="0"/>
+            <a:ext cx="10287000" cy="6858000"/>
+          </a:xfrm>
+          <a:prstGeom prst="rect">
+            <a:avLst/>
+          </a:prstGeom>
         </p:spPr>
       </p:pic>
     </p:spTree>
@@ -3652,6 +3682,36 @@
             <a:off x="2832496" y="1825625"/>
             <a:ext cx="6527007" cy="4351338"/>
           </a:xfrm>
+        </p:spPr>
+      </p:pic>
+      <p:pic>
+        <p:nvPicPr>
+          <p:cNvPr id="4" name="Picture 3" descr="Chart, scatter chart&#10;&#10;Description automatically generated">
+            <a:extLst>
+              <a:ext uri="{FF2B5EF4-FFF2-40B4-BE49-F238E27FC236}">
+                <a16:creationId xmlns:a16="http://schemas.microsoft.com/office/drawing/2014/main" id="{1CDFEBB9-A7AB-BD44-BB9C-255BD82399E4}"/>
+              </a:ext>
+            </a:extLst>
+          </p:cNvPr>
+          <p:cNvPicPr>
+            <a:picLocks noChangeAspect="1"/>
+          </p:cNvPicPr>
+          <p:nvPr/>
+        </p:nvPicPr>
+        <p:blipFill>
+          <a:blip r:embed="rId3"/>
+          <a:stretch>
+            <a:fillRect/>
+          </a:stretch>
+        </p:blipFill>
+        <p:spPr>
+          <a:xfrm>
+            <a:off x="2832496" y="1825625"/>
+            <a:ext cx="6654800" cy="4436533"/>
+          </a:xfrm>
+          <a:prstGeom prst="rect">
+            <a:avLst/>
+          </a:prstGeom>
         </p:spPr>
       </p:pic>
     </p:spTree>
